--- a/static/media/resources/M04-example.pptx
+++ b/static/media/resources/M04-example.pptx
@@ -259,7 +259,7 @@
           <a:p>
             <a:fld id="{C921F836-B759-4535-AB7A-A1A0FF2C0E9A}" type="datetimeFigureOut">
               <a:rPr lang="en-US" smtClean="0"/>
-              <a:t>3/3/2023</a:t>
+              <a:t>3/31/2023</a:t>
             </a:fld>
             <a:endParaRPr lang="en-US"/>
           </a:p>
@@ -429,7 +429,7 @@
           <a:p>
             <a:fld id="{C921F836-B759-4535-AB7A-A1A0FF2C0E9A}" type="datetimeFigureOut">
               <a:rPr lang="en-US" smtClean="0"/>
-              <a:t>3/3/2023</a:t>
+              <a:t>3/31/2023</a:t>
             </a:fld>
             <a:endParaRPr lang="en-US"/>
           </a:p>
@@ -609,7 +609,7 @@
           <a:p>
             <a:fld id="{C921F836-B759-4535-AB7A-A1A0FF2C0E9A}" type="datetimeFigureOut">
               <a:rPr lang="en-US" smtClean="0"/>
-              <a:t>3/3/2023</a:t>
+              <a:t>3/31/2023</a:t>
             </a:fld>
             <a:endParaRPr lang="en-US"/>
           </a:p>
@@ -779,7 +779,7 @@
           <a:p>
             <a:fld id="{C921F836-B759-4535-AB7A-A1A0FF2C0E9A}" type="datetimeFigureOut">
               <a:rPr lang="en-US" smtClean="0"/>
-              <a:t>3/3/2023</a:t>
+              <a:t>3/31/2023</a:t>
             </a:fld>
             <a:endParaRPr lang="en-US"/>
           </a:p>
@@ -1025,7 +1025,7 @@
           <a:p>
             <a:fld id="{C921F836-B759-4535-AB7A-A1A0FF2C0E9A}" type="datetimeFigureOut">
               <a:rPr lang="en-US" smtClean="0"/>
-              <a:t>3/3/2023</a:t>
+              <a:t>3/31/2023</a:t>
             </a:fld>
             <a:endParaRPr lang="en-US"/>
           </a:p>
@@ -1257,7 +1257,7 @@
           <a:p>
             <a:fld id="{C921F836-B759-4535-AB7A-A1A0FF2C0E9A}" type="datetimeFigureOut">
               <a:rPr lang="en-US" smtClean="0"/>
-              <a:t>3/3/2023</a:t>
+              <a:t>3/31/2023</a:t>
             </a:fld>
             <a:endParaRPr lang="en-US"/>
           </a:p>
@@ -1624,7 +1624,7 @@
           <a:p>
             <a:fld id="{C921F836-B759-4535-AB7A-A1A0FF2C0E9A}" type="datetimeFigureOut">
               <a:rPr lang="en-US" smtClean="0"/>
-              <a:t>3/3/2023</a:t>
+              <a:t>3/31/2023</a:t>
             </a:fld>
             <a:endParaRPr lang="en-US"/>
           </a:p>
@@ -1742,7 +1742,7 @@
           <a:p>
             <a:fld id="{C921F836-B759-4535-AB7A-A1A0FF2C0E9A}" type="datetimeFigureOut">
               <a:rPr lang="en-US" smtClean="0"/>
-              <a:t>3/3/2023</a:t>
+              <a:t>3/31/2023</a:t>
             </a:fld>
             <a:endParaRPr lang="en-US"/>
           </a:p>
@@ -1837,7 +1837,7 @@
           <a:p>
             <a:fld id="{C921F836-B759-4535-AB7A-A1A0FF2C0E9A}" type="datetimeFigureOut">
               <a:rPr lang="en-US" smtClean="0"/>
-              <a:t>3/3/2023</a:t>
+              <a:t>3/31/2023</a:t>
             </a:fld>
             <a:endParaRPr lang="en-US"/>
           </a:p>
@@ -2114,7 +2114,7 @@
           <a:p>
             <a:fld id="{C921F836-B759-4535-AB7A-A1A0FF2C0E9A}" type="datetimeFigureOut">
               <a:rPr lang="en-US" smtClean="0"/>
-              <a:t>3/3/2023</a:t>
+              <a:t>3/31/2023</a:t>
             </a:fld>
             <a:endParaRPr lang="en-US"/>
           </a:p>
@@ -2367,7 +2367,7 @@
           <a:p>
             <a:fld id="{C921F836-B759-4535-AB7A-A1A0FF2C0E9A}" type="datetimeFigureOut">
               <a:rPr lang="en-US" smtClean="0"/>
-              <a:t>3/3/2023</a:t>
+              <a:t>3/31/2023</a:t>
             </a:fld>
             <a:endParaRPr lang="en-US"/>
           </a:p>
@@ -2580,7 +2580,7 @@
           <a:p>
             <a:fld id="{C921F836-B759-4535-AB7A-A1A0FF2C0E9A}" type="datetimeFigureOut">
               <a:rPr lang="en-US" smtClean="0"/>
-              <a:t>3/3/2023</a:t>
+              <a:t>3/31/2023</a:t>
             </a:fld>
             <a:endParaRPr lang="en-US"/>
           </a:p>
@@ -3794,7 +3794,7 @@
       </p:grpSpPr>
       <p:pic>
         <p:nvPicPr>
-          <p:cNvPr id="4" name="Picture 3"/>
+          <p:cNvPr id="3" name="Picture 2"/>
           <p:cNvPicPr>
             <a:picLocks noChangeAspect="1"/>
           </p:cNvPicPr>
@@ -3814,8 +3814,8 @@
         </p:blipFill>
         <p:spPr>
           <a:xfrm>
-            <a:off x="1731100" y="2261291"/>
-            <a:ext cx="2013053" cy="2286117"/>
+            <a:off x="1758023" y="2271579"/>
+            <a:ext cx="1962251" cy="1879697"/>
           </a:xfrm>
           <a:prstGeom prst="rect">
             <a:avLst/>
@@ -3923,8 +3923,8 @@
         </p:nvCxnSpPr>
         <p:spPr>
           <a:xfrm flipV="1">
-            <a:off x="3732620" y="2040011"/>
-            <a:ext cx="458210" cy="330177"/>
+            <a:off x="3732619" y="2040011"/>
+            <a:ext cx="458211" cy="330177"/>
           </a:xfrm>
           <a:prstGeom prst="bentConnector3">
             <a:avLst/>
@@ -3959,8 +3959,8 @@
         </p:nvSpPr>
         <p:spPr>
           <a:xfrm>
-            <a:off x="1731100" y="2256819"/>
-            <a:ext cx="2001520" cy="226737"/>
+            <a:off x="1758022" y="2256819"/>
+            <a:ext cx="1974597" cy="226737"/>
           </a:xfrm>
           <a:prstGeom prst="roundRect">
             <a:avLst/>
@@ -4034,8 +4034,8 @@
         </p:nvSpPr>
         <p:spPr>
           <a:xfrm>
-            <a:off x="1731100" y="2480339"/>
-            <a:ext cx="2001520" cy="226737"/>
+            <a:off x="1758022" y="2480339"/>
+            <a:ext cx="1974598" cy="226737"/>
           </a:xfrm>
           <a:prstGeom prst="roundRect">
             <a:avLst/>
@@ -4109,8 +4109,8 @@
         </p:nvSpPr>
         <p:spPr>
           <a:xfrm>
-            <a:off x="1731100" y="3689379"/>
-            <a:ext cx="2001520" cy="226737"/>
+            <a:off x="1745676" y="3895458"/>
+            <a:ext cx="1986943" cy="226737"/>
           </a:xfrm>
           <a:prstGeom prst="roundRect">
             <a:avLst/>
@@ -4335,8 +4335,8 @@
         </p:nvCxnSpPr>
         <p:spPr>
           <a:xfrm>
-            <a:off x="3732620" y="3802748"/>
-            <a:ext cx="458210" cy="340846"/>
+            <a:off x="3732619" y="4008827"/>
+            <a:ext cx="458211" cy="134767"/>
           </a:xfrm>
           <a:prstGeom prst="bentConnector3">
             <a:avLst>
@@ -4928,8 +4928,8 @@
         </p:nvSpPr>
         <p:spPr>
           <a:xfrm>
-            <a:off x="4162486" y="3311918"/>
-            <a:ext cx="1190454" cy="186650"/>
+            <a:off x="4190830" y="3311918"/>
+            <a:ext cx="1162110" cy="186650"/>
           </a:xfrm>
           <a:prstGeom prst="roundRect">
             <a:avLst/>
@@ -5011,7 +5011,7 @@
           </a:xfrm>
           <a:prstGeom prst="bentConnector3">
             <a:avLst>
-              <a:gd name="adj1" fmla="val 68197"/>
+              <a:gd name="adj1" fmla="val 50000"/>
             </a:avLst>
           </a:prstGeom>
           <a:ln w="31750">
@@ -5044,7 +5044,7 @@
         </p:nvSpPr>
         <p:spPr>
           <a:xfrm>
-            <a:off x="5388721" y="1659273"/>
+            <a:off x="5388721" y="1668798"/>
             <a:ext cx="1304244" cy="307777"/>
           </a:xfrm>
           <a:prstGeom prst="rect">
@@ -5134,8 +5134,8 @@
         </p:nvSpPr>
         <p:spPr>
           <a:xfrm>
-            <a:off x="4173284" y="1685712"/>
-            <a:ext cx="1211407" cy="237476"/>
+            <a:off x="4190830" y="1698412"/>
+            <a:ext cx="1193861" cy="237476"/>
           </a:xfrm>
           <a:prstGeom prst="roundRect">
             <a:avLst/>
@@ -5209,8 +5209,8 @@
         </p:nvSpPr>
         <p:spPr>
           <a:xfrm>
-            <a:off x="4166181" y="4724401"/>
-            <a:ext cx="1186759" cy="223520"/>
+            <a:off x="4190830" y="4733926"/>
+            <a:ext cx="1162110" cy="223520"/>
           </a:xfrm>
           <a:prstGeom prst="roundRect">
             <a:avLst/>

--- a/static/media/resources/M04-example.pptx
+++ b/static/media/resources/M04-example.pptx
@@ -259,7 +259,7 @@
           <a:p>
             <a:fld id="{C921F836-B759-4535-AB7A-A1A0FF2C0E9A}" type="datetimeFigureOut">
               <a:rPr lang="en-US" smtClean="0"/>
-              <a:t>3/31/2023</a:t>
+              <a:t>5/26/2023</a:t>
             </a:fld>
             <a:endParaRPr lang="en-US"/>
           </a:p>
@@ -429,7 +429,7 @@
           <a:p>
             <a:fld id="{C921F836-B759-4535-AB7A-A1A0FF2C0E9A}" type="datetimeFigureOut">
               <a:rPr lang="en-US" smtClean="0"/>
-              <a:t>3/31/2023</a:t>
+              <a:t>5/26/2023</a:t>
             </a:fld>
             <a:endParaRPr lang="en-US"/>
           </a:p>
@@ -609,7 +609,7 @@
           <a:p>
             <a:fld id="{C921F836-B759-4535-AB7A-A1A0FF2C0E9A}" type="datetimeFigureOut">
               <a:rPr lang="en-US" smtClean="0"/>
-              <a:t>3/31/2023</a:t>
+              <a:t>5/26/2023</a:t>
             </a:fld>
             <a:endParaRPr lang="en-US"/>
           </a:p>
@@ -779,7 +779,7 @@
           <a:p>
             <a:fld id="{C921F836-B759-4535-AB7A-A1A0FF2C0E9A}" type="datetimeFigureOut">
               <a:rPr lang="en-US" smtClean="0"/>
-              <a:t>3/31/2023</a:t>
+              <a:t>5/26/2023</a:t>
             </a:fld>
             <a:endParaRPr lang="en-US"/>
           </a:p>
@@ -1025,7 +1025,7 @@
           <a:p>
             <a:fld id="{C921F836-B759-4535-AB7A-A1A0FF2C0E9A}" type="datetimeFigureOut">
               <a:rPr lang="en-US" smtClean="0"/>
-              <a:t>3/31/2023</a:t>
+              <a:t>5/26/2023</a:t>
             </a:fld>
             <a:endParaRPr lang="en-US"/>
           </a:p>
@@ -1257,7 +1257,7 @@
           <a:p>
             <a:fld id="{C921F836-B759-4535-AB7A-A1A0FF2C0E9A}" type="datetimeFigureOut">
               <a:rPr lang="en-US" smtClean="0"/>
-              <a:t>3/31/2023</a:t>
+              <a:t>5/26/2023</a:t>
             </a:fld>
             <a:endParaRPr lang="en-US"/>
           </a:p>
@@ -1624,7 +1624,7 @@
           <a:p>
             <a:fld id="{C921F836-B759-4535-AB7A-A1A0FF2C0E9A}" type="datetimeFigureOut">
               <a:rPr lang="en-US" smtClean="0"/>
-              <a:t>3/31/2023</a:t>
+              <a:t>5/26/2023</a:t>
             </a:fld>
             <a:endParaRPr lang="en-US"/>
           </a:p>
@@ -1742,7 +1742,7 @@
           <a:p>
             <a:fld id="{C921F836-B759-4535-AB7A-A1A0FF2C0E9A}" type="datetimeFigureOut">
               <a:rPr lang="en-US" smtClean="0"/>
-              <a:t>3/31/2023</a:t>
+              <a:t>5/26/2023</a:t>
             </a:fld>
             <a:endParaRPr lang="en-US"/>
           </a:p>
@@ -1837,7 +1837,7 @@
           <a:p>
             <a:fld id="{C921F836-B759-4535-AB7A-A1A0FF2C0E9A}" type="datetimeFigureOut">
               <a:rPr lang="en-US" smtClean="0"/>
-              <a:t>3/31/2023</a:t>
+              <a:t>5/26/2023</a:t>
             </a:fld>
             <a:endParaRPr lang="en-US"/>
           </a:p>
@@ -2114,7 +2114,7 @@
           <a:p>
             <a:fld id="{C921F836-B759-4535-AB7A-A1A0FF2C0E9A}" type="datetimeFigureOut">
               <a:rPr lang="en-US" smtClean="0"/>
-              <a:t>3/31/2023</a:t>
+              <a:t>5/26/2023</a:t>
             </a:fld>
             <a:endParaRPr lang="en-US"/>
           </a:p>
@@ -2367,7 +2367,7 @@
           <a:p>
             <a:fld id="{C921F836-B759-4535-AB7A-A1A0FF2C0E9A}" type="datetimeFigureOut">
               <a:rPr lang="en-US" smtClean="0"/>
-              <a:t>3/31/2023</a:t>
+              <a:t>5/26/2023</a:t>
             </a:fld>
             <a:endParaRPr lang="en-US"/>
           </a:p>
@@ -2580,7 +2580,7 @@
           <a:p>
             <a:fld id="{C921F836-B759-4535-AB7A-A1A0FF2C0E9A}" type="datetimeFigureOut">
               <a:rPr lang="en-US" smtClean="0"/>
-              <a:t>3/31/2023</a:t>
+              <a:t>5/26/2023</a:t>
             </a:fld>
             <a:endParaRPr lang="en-US"/>
           </a:p>
@@ -4109,7 +4109,7 @@
         </p:nvSpPr>
         <p:spPr>
           <a:xfrm>
-            <a:off x="1745676" y="3895458"/>
+            <a:off x="1745676" y="3295383"/>
             <a:ext cx="1986943" cy="226737"/>
           </a:xfrm>
           <a:prstGeom prst="roundRect">
@@ -4335,8 +4335,8 @@
         </p:nvCxnSpPr>
         <p:spPr>
           <a:xfrm>
-            <a:off x="3732619" y="4008827"/>
-            <a:ext cx="458211" cy="134767"/>
+            <a:off x="3732619" y="3408752"/>
+            <a:ext cx="458211" cy="734842"/>
           </a:xfrm>
           <a:prstGeom prst="bentConnector3">
             <a:avLst>
@@ -5011,7 +5011,7 @@
           </a:xfrm>
           <a:prstGeom prst="bentConnector3">
             <a:avLst>
-              <a:gd name="adj1" fmla="val 50000"/>
+              <a:gd name="adj1" fmla="val 68481"/>
             </a:avLst>
           </a:prstGeom>
           <a:ln w="31750">

--- a/static/media/resources/M04-example.pptx
+++ b/static/media/resources/M04-example.pptx
@@ -259,7 +259,7 @@
           <a:p>
             <a:fld id="{C921F836-B759-4535-AB7A-A1A0FF2C0E9A}" type="datetimeFigureOut">
               <a:rPr lang="en-US" smtClean="0"/>
-              <a:t>5/26/2023</a:t>
+              <a:t>9/14/2023</a:t>
             </a:fld>
             <a:endParaRPr lang="en-US"/>
           </a:p>
@@ -429,7 +429,7 @@
           <a:p>
             <a:fld id="{C921F836-B759-4535-AB7A-A1A0FF2C0E9A}" type="datetimeFigureOut">
               <a:rPr lang="en-US" smtClean="0"/>
-              <a:t>5/26/2023</a:t>
+              <a:t>9/14/2023</a:t>
             </a:fld>
             <a:endParaRPr lang="en-US"/>
           </a:p>
@@ -609,7 +609,7 @@
           <a:p>
             <a:fld id="{C921F836-B759-4535-AB7A-A1A0FF2C0E9A}" type="datetimeFigureOut">
               <a:rPr lang="en-US" smtClean="0"/>
-              <a:t>5/26/2023</a:t>
+              <a:t>9/14/2023</a:t>
             </a:fld>
             <a:endParaRPr lang="en-US"/>
           </a:p>
@@ -779,7 +779,7 @@
           <a:p>
             <a:fld id="{C921F836-B759-4535-AB7A-A1A0FF2C0E9A}" type="datetimeFigureOut">
               <a:rPr lang="en-US" smtClean="0"/>
-              <a:t>5/26/2023</a:t>
+              <a:t>9/14/2023</a:t>
             </a:fld>
             <a:endParaRPr lang="en-US"/>
           </a:p>
@@ -1025,7 +1025,7 @@
           <a:p>
             <a:fld id="{C921F836-B759-4535-AB7A-A1A0FF2C0E9A}" type="datetimeFigureOut">
               <a:rPr lang="en-US" smtClean="0"/>
-              <a:t>5/26/2023</a:t>
+              <a:t>9/14/2023</a:t>
             </a:fld>
             <a:endParaRPr lang="en-US"/>
           </a:p>
@@ -1257,7 +1257,7 @@
           <a:p>
             <a:fld id="{C921F836-B759-4535-AB7A-A1A0FF2C0E9A}" type="datetimeFigureOut">
               <a:rPr lang="en-US" smtClean="0"/>
-              <a:t>5/26/2023</a:t>
+              <a:t>9/14/2023</a:t>
             </a:fld>
             <a:endParaRPr lang="en-US"/>
           </a:p>
@@ -1624,7 +1624,7 @@
           <a:p>
             <a:fld id="{C921F836-B759-4535-AB7A-A1A0FF2C0E9A}" type="datetimeFigureOut">
               <a:rPr lang="en-US" smtClean="0"/>
-              <a:t>5/26/2023</a:t>
+              <a:t>9/14/2023</a:t>
             </a:fld>
             <a:endParaRPr lang="en-US"/>
           </a:p>
@@ -1742,7 +1742,7 @@
           <a:p>
             <a:fld id="{C921F836-B759-4535-AB7A-A1A0FF2C0E9A}" type="datetimeFigureOut">
               <a:rPr lang="en-US" smtClean="0"/>
-              <a:t>5/26/2023</a:t>
+              <a:t>9/14/2023</a:t>
             </a:fld>
             <a:endParaRPr lang="en-US"/>
           </a:p>
@@ -1837,7 +1837,7 @@
           <a:p>
             <a:fld id="{C921F836-B759-4535-AB7A-A1A0FF2C0E9A}" type="datetimeFigureOut">
               <a:rPr lang="en-US" smtClean="0"/>
-              <a:t>5/26/2023</a:t>
+              <a:t>9/14/2023</a:t>
             </a:fld>
             <a:endParaRPr lang="en-US"/>
           </a:p>
@@ -2114,7 +2114,7 @@
           <a:p>
             <a:fld id="{C921F836-B759-4535-AB7A-A1A0FF2C0E9A}" type="datetimeFigureOut">
               <a:rPr lang="en-US" smtClean="0"/>
-              <a:t>5/26/2023</a:t>
+              <a:t>9/14/2023</a:t>
             </a:fld>
             <a:endParaRPr lang="en-US"/>
           </a:p>
@@ -2367,7 +2367,7 @@
           <a:p>
             <a:fld id="{C921F836-B759-4535-AB7A-A1A0FF2C0E9A}" type="datetimeFigureOut">
               <a:rPr lang="en-US" smtClean="0"/>
-              <a:t>5/26/2023</a:t>
+              <a:t>9/14/2023</a:t>
             </a:fld>
             <a:endParaRPr lang="en-US"/>
           </a:p>
@@ -2580,7 +2580,7 @@
           <a:p>
             <a:fld id="{C921F836-B759-4535-AB7A-A1A0FF2C0E9A}" type="datetimeFigureOut">
               <a:rPr lang="en-US" smtClean="0"/>
-              <a:t>5/26/2023</a:t>
+              <a:t>9/14/2023</a:t>
             </a:fld>
             <a:endParaRPr lang="en-US"/>
           </a:p>
@@ -2993,7 +2993,7 @@
         </p:nvSpPr>
         <p:spPr>
           <a:xfrm>
-            <a:off x="3605249" y="4526540"/>
+            <a:off x="3605249" y="4184799"/>
             <a:ext cx="4677114" cy="276999"/>
           </a:xfrm>
           <a:prstGeom prst="rect">
@@ -3136,7 +3136,7 @@
         </p:blipFill>
         <p:spPr>
           <a:xfrm>
-            <a:off x="3871526" y="524921"/>
+            <a:off x="3871526" y="183180"/>
             <a:ext cx="4144562" cy="1974357"/>
           </a:xfrm>
           <a:prstGeom prst="rect">
@@ -3166,7 +3166,7 @@
         </p:blipFill>
         <p:spPr>
           <a:xfrm>
-            <a:off x="3871526" y="3007183"/>
+            <a:off x="3871526" y="2665442"/>
             <a:ext cx="4144562" cy="1450084"/>
           </a:xfrm>
           <a:prstGeom prst="rect">
@@ -3182,7 +3182,7 @@
         </p:nvSpPr>
         <p:spPr>
           <a:xfrm>
-            <a:off x="3432638" y="2596259"/>
+            <a:off x="3432638" y="2254518"/>
             <a:ext cx="5022337" cy="276999"/>
           </a:xfrm>
           <a:prstGeom prst="rect">
@@ -3310,8 +3310,8 @@
         </p:nvSpPr>
         <p:spPr>
           <a:xfrm>
-            <a:off x="2900184" y="5090298"/>
-            <a:ext cx="6087244" cy="1384995"/>
+            <a:off x="2483084" y="4748557"/>
+            <a:ext cx="6921446" cy="1938992"/>
           </a:xfrm>
           <a:prstGeom prst="rect">
             <a:avLst/>
@@ -3534,9 +3534,45 @@
                 <a:ea typeface="+mn-ea"/>
                 <a:cs typeface="+mn-cs"/>
               </a:rPr>
-              <a:t>DCP® is a registered trademark of the Modelica Association.</a:t>
-            </a:r>
-            <a:endParaRPr kumimoji="0" lang="sv-SE" sz="1800" b="0" i="0" u="none" strike="noStrike" kern="1200" cap="none" spc="0" normalizeH="0" baseline="0" noProof="0" dirty="0" smtClean="0">
+              <a:t>DCP® is a registered trademark of the Modelica Association</a:t>
+            </a:r>
+            <a:r>
+              <a:rPr kumimoji="0" lang="en-US" sz="1800" b="0" i="0" u="none" strike="noStrike" kern="1200" cap="none" spc="0" normalizeH="0" baseline="0" noProof="0" dirty="0" smtClean="0">
+                <a:ln>
+                  <a:noFill/>
+                </a:ln>
+                <a:solidFill>
+                  <a:prstClr val="black"/>
+                </a:solidFill>
+                <a:effectLst/>
+                <a:uLnTx/>
+                <a:uFillTx/>
+                <a:latin typeface="Calibri" panose="020F0502020204030204"/>
+                <a:ea typeface="+mn-ea"/>
+                <a:cs typeface="+mn-cs"/>
+              </a:rPr>
+              <a:t>.</a:t>
+            </a:r>
+          </a:p>
+          <a:p>
+            <a:pPr marL="0" marR="0" lvl="0" indent="0" algn="ctr" defTabSz="914400" rtl="0" eaLnBrk="1" fontAlgn="auto" latinLnBrk="0" hangingPunct="1">
+              <a:lnSpc>
+                <a:spcPct val="100000"/>
+              </a:lnSpc>
+              <a:spcBef>
+                <a:spcPts val="0"/>
+              </a:spcBef>
+              <a:spcAft>
+                <a:spcPts val="0"/>
+              </a:spcAft>
+              <a:buClrTx/>
+              <a:buSzTx/>
+              <a:buFontTx/>
+              <a:buNone/>
+              <a:tabLst/>
+              <a:defRPr/>
+            </a:pPr>
+            <a:endParaRPr kumimoji="0" lang="en-US" sz="1800" b="0" i="0" u="none" strike="noStrike" kern="1200" cap="none" spc="0" normalizeH="0" baseline="0" noProof="0" dirty="0" smtClean="0">
               <a:ln>
                 <a:noFill/>
               </a:ln>
@@ -3551,12 +3587,269 @@
               <a:cs typeface="+mn-cs"/>
             </a:endParaRPr>
           </a:p>
+          <a:p>
+            <a:pPr marL="0" marR="0" lvl="0" indent="0" algn="ctr" defTabSz="914400" rtl="0" eaLnBrk="1" fontAlgn="auto" latinLnBrk="0" hangingPunct="1">
+              <a:lnSpc>
+                <a:spcPct val="100000"/>
+              </a:lnSpc>
+              <a:spcBef>
+                <a:spcPts val="0"/>
+              </a:spcBef>
+              <a:spcAft>
+                <a:spcPts val="0"/>
+              </a:spcAft>
+              <a:buClrTx/>
+              <a:buSzTx/>
+              <a:buFontTx/>
+              <a:buNone/>
+              <a:tabLst/>
+              <a:defRPr/>
+            </a:pPr>
+            <a:r>
+              <a:rPr kumimoji="0" lang="sv-SE" sz="1800" b="0" i="0" u="none" strike="noStrike" kern="1200" cap="none" spc="0" normalizeH="0" baseline="0" noProof="0" dirty="0" err="1" smtClean="0">
+                <a:ln>
+                  <a:noFill/>
+                </a:ln>
+                <a:solidFill>
+                  <a:prstClr val="black"/>
+                </a:solidFill>
+                <a:effectLst/>
+                <a:uLnTx/>
+                <a:uFillTx/>
+                <a:latin typeface="Calibri" panose="020F0502020204030204"/>
+                <a:ea typeface="+mn-ea"/>
+                <a:cs typeface="+mn-cs"/>
+              </a:rPr>
+              <a:t>Third</a:t>
+            </a:r>
+            <a:r>
+              <a:rPr kumimoji="0" lang="sv-SE" sz="1800" b="0" i="0" u="none" strike="noStrike" kern="1200" cap="none" spc="0" normalizeH="0" baseline="0" noProof="0" dirty="0" smtClean="0">
+                <a:ln>
+                  <a:noFill/>
+                </a:ln>
+                <a:solidFill>
+                  <a:prstClr val="black"/>
+                </a:solidFill>
+                <a:effectLst/>
+                <a:uLnTx/>
+                <a:uFillTx/>
+                <a:latin typeface="Calibri" panose="020F0502020204030204"/>
+                <a:ea typeface="+mn-ea"/>
+                <a:cs typeface="+mn-cs"/>
+              </a:rPr>
+              <a:t> party marks and brands </a:t>
+            </a:r>
+            <a:r>
+              <a:rPr kumimoji="0" lang="sv-SE" sz="1800" b="0" i="0" u="none" strike="noStrike" kern="1200" cap="none" spc="0" normalizeH="0" baseline="0" noProof="0" dirty="0" err="1" smtClean="0">
+                <a:ln>
+                  <a:noFill/>
+                </a:ln>
+                <a:solidFill>
+                  <a:prstClr val="black"/>
+                </a:solidFill>
+                <a:effectLst/>
+                <a:uLnTx/>
+                <a:uFillTx/>
+                <a:latin typeface="Calibri" panose="020F0502020204030204"/>
+                <a:ea typeface="+mn-ea"/>
+                <a:cs typeface="+mn-cs"/>
+              </a:rPr>
+              <a:t>are</a:t>
+            </a:r>
+            <a:r>
+              <a:rPr kumimoji="0" lang="sv-SE" sz="1800" b="0" i="0" u="none" strike="noStrike" kern="1200" cap="none" spc="0" normalizeH="0" baseline="0" noProof="0" dirty="0" smtClean="0">
+                <a:ln>
+                  <a:noFill/>
+                </a:ln>
+                <a:solidFill>
+                  <a:prstClr val="black"/>
+                </a:solidFill>
+                <a:effectLst/>
+                <a:uLnTx/>
+                <a:uFillTx/>
+                <a:latin typeface="Calibri" panose="020F0502020204030204"/>
+                <a:ea typeface="+mn-ea"/>
+                <a:cs typeface="+mn-cs"/>
+              </a:rPr>
+              <a:t> the </a:t>
+            </a:r>
+            <a:r>
+              <a:rPr kumimoji="0" lang="sv-SE" sz="1800" b="0" i="0" u="none" strike="noStrike" kern="1200" cap="none" spc="0" normalizeH="0" baseline="0" noProof="0" dirty="0" err="1" smtClean="0">
+                <a:ln>
+                  <a:noFill/>
+                </a:ln>
+                <a:solidFill>
+                  <a:prstClr val="black"/>
+                </a:solidFill>
+                <a:effectLst/>
+                <a:uLnTx/>
+                <a:uFillTx/>
+                <a:latin typeface="Calibri" panose="020F0502020204030204"/>
+                <a:ea typeface="+mn-ea"/>
+                <a:cs typeface="+mn-cs"/>
+              </a:rPr>
+              <a:t>property</a:t>
+            </a:r>
+            <a:r>
+              <a:rPr kumimoji="0" lang="sv-SE" sz="1800" b="0" i="0" u="none" strike="noStrike" kern="1200" cap="none" spc="0" normalizeH="0" baseline="0" noProof="0" dirty="0" smtClean="0">
+                <a:ln>
+                  <a:noFill/>
+                </a:ln>
+                <a:solidFill>
+                  <a:prstClr val="black"/>
+                </a:solidFill>
+                <a:effectLst/>
+                <a:uLnTx/>
+                <a:uFillTx/>
+                <a:latin typeface="Calibri" panose="020F0502020204030204"/>
+                <a:ea typeface="+mn-ea"/>
+                <a:cs typeface="+mn-cs"/>
+              </a:rPr>
+              <a:t> </a:t>
+            </a:r>
+            <a:r>
+              <a:rPr kumimoji="0" lang="sv-SE" sz="1800" b="0" i="0" u="none" strike="noStrike" kern="1200" cap="none" spc="0" normalizeH="0" baseline="0" noProof="0" dirty="0" err="1" smtClean="0">
+                <a:ln>
+                  <a:noFill/>
+                </a:ln>
+                <a:solidFill>
+                  <a:prstClr val="black"/>
+                </a:solidFill>
+                <a:effectLst/>
+                <a:uLnTx/>
+                <a:uFillTx/>
+                <a:latin typeface="Calibri" panose="020F0502020204030204"/>
+                <a:ea typeface="+mn-ea"/>
+                <a:cs typeface="+mn-cs"/>
+              </a:rPr>
+              <a:t>of</a:t>
+            </a:r>
+            <a:r>
+              <a:rPr kumimoji="0" lang="sv-SE" sz="1800" b="0" i="0" u="none" strike="noStrike" kern="1200" cap="none" spc="0" normalizeH="0" baseline="0" noProof="0" dirty="0" smtClean="0">
+                <a:ln>
+                  <a:noFill/>
+                </a:ln>
+                <a:solidFill>
+                  <a:prstClr val="black"/>
+                </a:solidFill>
+                <a:effectLst/>
+                <a:uLnTx/>
+                <a:uFillTx/>
+                <a:latin typeface="Calibri" panose="020F0502020204030204"/>
+                <a:ea typeface="+mn-ea"/>
+                <a:cs typeface="+mn-cs"/>
+              </a:rPr>
+              <a:t> </a:t>
+            </a:r>
+            <a:r>
+              <a:rPr kumimoji="0" lang="sv-SE" sz="1800" b="0" i="0" u="none" strike="noStrike" kern="1200" cap="none" spc="0" normalizeH="0" baseline="0" noProof="0" dirty="0" err="1" smtClean="0">
+                <a:ln>
+                  <a:noFill/>
+                </a:ln>
+                <a:solidFill>
+                  <a:prstClr val="black"/>
+                </a:solidFill>
+                <a:effectLst/>
+                <a:uLnTx/>
+                <a:uFillTx/>
+                <a:latin typeface="Calibri" panose="020F0502020204030204"/>
+                <a:ea typeface="+mn-ea"/>
+                <a:cs typeface="+mn-cs"/>
+              </a:rPr>
+              <a:t>their</a:t>
+            </a:r>
+            <a:r>
+              <a:rPr kumimoji="0" lang="sv-SE" sz="1800" b="0" i="0" u="none" strike="noStrike" kern="1200" cap="none" spc="0" normalizeH="0" baseline="0" noProof="0" dirty="0" smtClean="0">
+                <a:ln>
+                  <a:noFill/>
+                </a:ln>
+                <a:solidFill>
+                  <a:prstClr val="black"/>
+                </a:solidFill>
+                <a:effectLst/>
+                <a:uLnTx/>
+                <a:uFillTx/>
+                <a:latin typeface="Calibri" panose="020F0502020204030204"/>
+                <a:ea typeface="+mn-ea"/>
+                <a:cs typeface="+mn-cs"/>
+              </a:rPr>
+              <a:t> </a:t>
+            </a:r>
+            <a:r>
+              <a:rPr kumimoji="0" lang="sv-SE" sz="1800" b="0" i="0" u="none" strike="noStrike" kern="1200" cap="none" spc="0" normalizeH="0" baseline="0" noProof="0" dirty="0" err="1" smtClean="0">
+                <a:ln>
+                  <a:noFill/>
+                </a:ln>
+                <a:solidFill>
+                  <a:prstClr val="black"/>
+                </a:solidFill>
+                <a:effectLst/>
+                <a:uLnTx/>
+                <a:uFillTx/>
+                <a:latin typeface="Calibri" panose="020F0502020204030204"/>
+                <a:ea typeface="+mn-ea"/>
+                <a:cs typeface="+mn-cs"/>
+              </a:rPr>
+              <a:t>respective</a:t>
+            </a:r>
+            <a:r>
+              <a:rPr kumimoji="0" lang="sv-SE" sz="1800" b="0" i="0" u="none" strike="noStrike" kern="1200" cap="none" spc="0" normalizeH="0" baseline="0" noProof="0" dirty="0" smtClean="0">
+                <a:ln>
+                  <a:noFill/>
+                </a:ln>
+                <a:solidFill>
+                  <a:prstClr val="black"/>
+                </a:solidFill>
+                <a:effectLst/>
+                <a:uLnTx/>
+                <a:uFillTx/>
+                <a:latin typeface="Calibri" panose="020F0502020204030204"/>
+                <a:ea typeface="+mn-ea"/>
+                <a:cs typeface="+mn-cs"/>
+              </a:rPr>
+              <a:t> </a:t>
+            </a:r>
+            <a:r>
+              <a:rPr kumimoji="0" lang="sv-SE" sz="1800" b="0" i="0" u="none" strike="noStrike" kern="1200" cap="none" spc="0" normalizeH="0" baseline="0" noProof="0" dirty="0" err="1" smtClean="0">
+                <a:ln>
+                  <a:noFill/>
+                </a:ln>
+                <a:solidFill>
+                  <a:prstClr val="black"/>
+                </a:solidFill>
+                <a:effectLst/>
+                <a:uLnTx/>
+                <a:uFillTx/>
+                <a:latin typeface="Calibri" panose="020F0502020204030204"/>
+                <a:ea typeface="+mn-ea"/>
+                <a:cs typeface="+mn-cs"/>
+              </a:rPr>
+              <a:t>holders</a:t>
+            </a:r>
+            <a:r>
+              <a:rPr kumimoji="0" lang="sv-SE" sz="1800" b="0" i="0" u="none" strike="noStrike" kern="1200" cap="none" spc="0" normalizeH="0" baseline="0" noProof="0" dirty="0" smtClean="0">
+                <a:ln>
+                  <a:noFill/>
+                </a:ln>
+                <a:solidFill>
+                  <a:prstClr val="black"/>
+                </a:solidFill>
+                <a:effectLst/>
+                <a:uLnTx/>
+                <a:uFillTx/>
+                <a:latin typeface="Calibri" panose="020F0502020204030204"/>
+                <a:ea typeface="+mn-ea"/>
+                <a:cs typeface="+mn-cs"/>
+              </a:rPr>
+              <a:t>.</a:t>
+            </a:r>
+          </a:p>
         </p:txBody>
       </p:sp>
     </p:spTree>
     <p:extLst>
       <p:ext uri="{BB962C8B-B14F-4D97-AF65-F5344CB8AC3E}">
-        <p14:creationId xmlns:p14="http://schemas.microsoft.com/office/powerpoint/2010/main" val="2905500445"/>
+        <p14:creationId xmlns:p14="http://schemas.microsoft.com/office/powerpoint/2010/main" val="504968929"/>
       </p:ext>
     </p:extLst>
   </p:cSld>
